--- a/figures/Fig1_wc_dcrab_mgmt_map_labelled.pptx
+++ b/figures/Fig1_wc_dcrab_mgmt_map_labelled.pptx
@@ -104,6 +104,11 @@
       </a:defRPr>
     </a:lvl9pPr>
   </p:defaultTextStyle>
+  <p:extLst>
+    <p:ext uri="{EFAFB233-063F-42B5-8137-9DF3F51BA10A}">
+      <p15:sldGuideLst xmlns:p15="http://schemas.microsoft.com/office/powerpoint/2012/main"/>
+    </p:ext>
+  </p:extLst>
 </p:presentation>
 </file>
 
@@ -254,7 +259,7 @@
           <a:p>
             <a:fld id="{1F26AC62-3991-4E4D-B4FF-E1DDECF1621D}" type="datetimeFigureOut">
               <a:rPr lang="en-US" smtClean="0"/>
-              <a:t>7/19/21</a:t>
+              <a:t>8/2/21</a:t>
             </a:fld>
             <a:endParaRPr lang="en-US"/>
           </a:p>
@@ -452,7 +457,7 @@
           <a:p>
             <a:fld id="{1F26AC62-3991-4E4D-B4FF-E1DDECF1621D}" type="datetimeFigureOut">
               <a:rPr lang="en-US" smtClean="0"/>
-              <a:t>7/19/21</a:t>
+              <a:t>8/2/21</a:t>
             </a:fld>
             <a:endParaRPr lang="en-US"/>
           </a:p>
@@ -660,7 +665,7 @@
           <a:p>
             <a:fld id="{1F26AC62-3991-4E4D-B4FF-E1DDECF1621D}" type="datetimeFigureOut">
               <a:rPr lang="en-US" smtClean="0"/>
-              <a:t>7/19/21</a:t>
+              <a:t>8/2/21</a:t>
             </a:fld>
             <a:endParaRPr lang="en-US"/>
           </a:p>
@@ -858,7 +863,7 @@
           <a:p>
             <a:fld id="{1F26AC62-3991-4E4D-B4FF-E1DDECF1621D}" type="datetimeFigureOut">
               <a:rPr lang="en-US" smtClean="0"/>
-              <a:t>7/19/21</a:t>
+              <a:t>8/2/21</a:t>
             </a:fld>
             <a:endParaRPr lang="en-US"/>
           </a:p>
@@ -1133,7 +1138,7 @@
           <a:p>
             <a:fld id="{1F26AC62-3991-4E4D-B4FF-E1DDECF1621D}" type="datetimeFigureOut">
               <a:rPr lang="en-US" smtClean="0"/>
-              <a:t>7/19/21</a:t>
+              <a:t>8/2/21</a:t>
             </a:fld>
             <a:endParaRPr lang="en-US"/>
           </a:p>
@@ -1398,7 +1403,7 @@
           <a:p>
             <a:fld id="{1F26AC62-3991-4E4D-B4FF-E1DDECF1621D}" type="datetimeFigureOut">
               <a:rPr lang="en-US" smtClean="0"/>
-              <a:t>7/19/21</a:t>
+              <a:t>8/2/21</a:t>
             </a:fld>
             <a:endParaRPr lang="en-US"/>
           </a:p>
@@ -1810,7 +1815,7 @@
           <a:p>
             <a:fld id="{1F26AC62-3991-4E4D-B4FF-E1DDECF1621D}" type="datetimeFigureOut">
               <a:rPr lang="en-US" smtClean="0"/>
-              <a:t>7/19/21</a:t>
+              <a:t>8/2/21</a:t>
             </a:fld>
             <a:endParaRPr lang="en-US"/>
           </a:p>
@@ -1951,7 +1956,7 @@
           <a:p>
             <a:fld id="{1F26AC62-3991-4E4D-B4FF-E1DDECF1621D}" type="datetimeFigureOut">
               <a:rPr lang="en-US" smtClean="0"/>
-              <a:t>7/19/21</a:t>
+              <a:t>8/2/21</a:t>
             </a:fld>
             <a:endParaRPr lang="en-US"/>
           </a:p>
@@ -2064,7 +2069,7 @@
           <a:p>
             <a:fld id="{1F26AC62-3991-4E4D-B4FF-E1DDECF1621D}" type="datetimeFigureOut">
               <a:rPr lang="en-US" smtClean="0"/>
-              <a:t>7/19/21</a:t>
+              <a:t>8/2/21</a:t>
             </a:fld>
             <a:endParaRPr lang="en-US"/>
           </a:p>
@@ -2375,7 +2380,7 @@
           <a:p>
             <a:fld id="{1F26AC62-3991-4E4D-B4FF-E1DDECF1621D}" type="datetimeFigureOut">
               <a:rPr lang="en-US" smtClean="0"/>
-              <a:t>7/19/21</a:t>
+              <a:t>8/2/21</a:t>
             </a:fld>
             <a:endParaRPr lang="en-US"/>
           </a:p>
@@ -2663,7 +2668,7 @@
           <a:p>
             <a:fld id="{1F26AC62-3991-4E4D-B4FF-E1DDECF1621D}" type="datetimeFigureOut">
               <a:rPr lang="en-US" smtClean="0"/>
-              <a:t>7/19/21</a:t>
+              <a:t>8/2/21</a:t>
             </a:fld>
             <a:endParaRPr lang="en-US"/>
           </a:p>
@@ -2904,7 +2909,7 @@
           <a:p>
             <a:fld id="{1F26AC62-3991-4E4D-B4FF-E1DDECF1621D}" type="datetimeFigureOut">
               <a:rPr lang="en-US" smtClean="0"/>
-              <a:t>7/19/21</a:t>
+              <a:t>8/2/21</a:t>
             </a:fld>
             <a:endParaRPr lang="en-US"/>
           </a:p>
@@ -3323,10 +3328,10 @@
       </p:grpSpPr>
       <p:pic>
         <p:nvPicPr>
-          <p:cNvPr id="5" name="Picture 4">
-            <a:extLst>
-              <a:ext uri="{FF2B5EF4-FFF2-40B4-BE49-F238E27FC236}">
-                <a16:creationId xmlns:a16="http://schemas.microsoft.com/office/drawing/2014/main" id="{A1B55328-F5D5-E745-9D22-BEAB39967A37}"/>
+          <p:cNvPr id="12" name="Picture 11">
+            <a:extLst>
+              <a:ext uri="{FF2B5EF4-FFF2-40B4-BE49-F238E27FC236}">
+                <a16:creationId xmlns:a16="http://schemas.microsoft.com/office/drawing/2014/main" id="{7BB20A14-39A3-B344-96CE-2C83DA7FA0CA}"/>
               </a:ext>
             </a:extLst>
           </p:cNvPr>

--- a/figures/Fig1_wc_dcrab_mgmt_map_labelled.pptx
+++ b/figures/Fig1_wc_dcrab_mgmt_map_labelled.pptx
@@ -259,7 +259,7 @@
           <a:p>
             <a:fld id="{1F26AC62-3991-4E4D-B4FF-E1DDECF1621D}" type="datetimeFigureOut">
               <a:rPr lang="en-US" smtClean="0"/>
-              <a:t>8/2/21</a:t>
+              <a:t>9/30/21</a:t>
             </a:fld>
             <a:endParaRPr lang="en-US"/>
           </a:p>
@@ -457,7 +457,7 @@
           <a:p>
             <a:fld id="{1F26AC62-3991-4E4D-B4FF-E1DDECF1621D}" type="datetimeFigureOut">
               <a:rPr lang="en-US" smtClean="0"/>
-              <a:t>8/2/21</a:t>
+              <a:t>9/30/21</a:t>
             </a:fld>
             <a:endParaRPr lang="en-US"/>
           </a:p>
@@ -665,7 +665,7 @@
           <a:p>
             <a:fld id="{1F26AC62-3991-4E4D-B4FF-E1DDECF1621D}" type="datetimeFigureOut">
               <a:rPr lang="en-US" smtClean="0"/>
-              <a:t>8/2/21</a:t>
+              <a:t>9/30/21</a:t>
             </a:fld>
             <a:endParaRPr lang="en-US"/>
           </a:p>
@@ -863,7 +863,7 @@
           <a:p>
             <a:fld id="{1F26AC62-3991-4E4D-B4FF-E1DDECF1621D}" type="datetimeFigureOut">
               <a:rPr lang="en-US" smtClean="0"/>
-              <a:t>8/2/21</a:t>
+              <a:t>9/30/21</a:t>
             </a:fld>
             <a:endParaRPr lang="en-US"/>
           </a:p>
@@ -1138,7 +1138,7 @@
           <a:p>
             <a:fld id="{1F26AC62-3991-4E4D-B4FF-E1DDECF1621D}" type="datetimeFigureOut">
               <a:rPr lang="en-US" smtClean="0"/>
-              <a:t>8/2/21</a:t>
+              <a:t>9/30/21</a:t>
             </a:fld>
             <a:endParaRPr lang="en-US"/>
           </a:p>
@@ -1403,7 +1403,7 @@
           <a:p>
             <a:fld id="{1F26AC62-3991-4E4D-B4FF-E1DDECF1621D}" type="datetimeFigureOut">
               <a:rPr lang="en-US" smtClean="0"/>
-              <a:t>8/2/21</a:t>
+              <a:t>9/30/21</a:t>
             </a:fld>
             <a:endParaRPr lang="en-US"/>
           </a:p>
@@ -1815,7 +1815,7 @@
           <a:p>
             <a:fld id="{1F26AC62-3991-4E4D-B4FF-E1DDECF1621D}" type="datetimeFigureOut">
               <a:rPr lang="en-US" smtClean="0"/>
-              <a:t>8/2/21</a:t>
+              <a:t>9/30/21</a:t>
             </a:fld>
             <a:endParaRPr lang="en-US"/>
           </a:p>
@@ -1956,7 +1956,7 @@
           <a:p>
             <a:fld id="{1F26AC62-3991-4E4D-B4FF-E1DDECF1621D}" type="datetimeFigureOut">
               <a:rPr lang="en-US" smtClean="0"/>
-              <a:t>8/2/21</a:t>
+              <a:t>9/30/21</a:t>
             </a:fld>
             <a:endParaRPr lang="en-US"/>
           </a:p>
@@ -2069,7 +2069,7 @@
           <a:p>
             <a:fld id="{1F26AC62-3991-4E4D-B4FF-E1DDECF1621D}" type="datetimeFigureOut">
               <a:rPr lang="en-US" smtClean="0"/>
-              <a:t>8/2/21</a:t>
+              <a:t>9/30/21</a:t>
             </a:fld>
             <a:endParaRPr lang="en-US"/>
           </a:p>
@@ -2380,7 +2380,7 @@
           <a:p>
             <a:fld id="{1F26AC62-3991-4E4D-B4FF-E1DDECF1621D}" type="datetimeFigureOut">
               <a:rPr lang="en-US" smtClean="0"/>
-              <a:t>8/2/21</a:t>
+              <a:t>9/30/21</a:t>
             </a:fld>
             <a:endParaRPr lang="en-US"/>
           </a:p>
@@ -2668,7 +2668,7 @@
           <a:p>
             <a:fld id="{1F26AC62-3991-4E4D-B4FF-E1DDECF1621D}" type="datetimeFigureOut">
               <a:rPr lang="en-US" smtClean="0"/>
-              <a:t>8/2/21</a:t>
+              <a:t>9/30/21</a:t>
             </a:fld>
             <a:endParaRPr lang="en-US"/>
           </a:p>
@@ -2909,7 +2909,7 @@
           <a:p>
             <a:fld id="{1F26AC62-3991-4E4D-B4FF-E1DDECF1621D}" type="datetimeFigureOut">
               <a:rPr lang="en-US" smtClean="0"/>
-              <a:t>8/2/21</a:t>
+              <a:t>9/30/21</a:t>
             </a:fld>
             <a:endParaRPr lang="en-US"/>
           </a:p>
@@ -3727,7 +3727,7 @@
         <p:spPr>
           <a:xfrm>
             <a:off x="7837710" y="1860901"/>
-            <a:ext cx="1959433" cy="1000274"/>
+            <a:ext cx="2101893" cy="1000274"/>
           </a:xfrm>
           <a:prstGeom prst="rect">
             <a:avLst/>
@@ -3796,7 +3796,7 @@
                 <a:latin typeface="Arial" panose="020B0604020202020204" pitchFamily="34" charset="0"/>
                 <a:cs typeface="Arial" panose="020B0604020202020204" pitchFamily="34" charset="0"/>
               </a:rPr>
-              <a:t>Area closures, evisceration orders</a:t>
+              <a:t>Area closures, evisceration orders (+)</a:t>
             </a:r>
           </a:p>
         </p:txBody>

--- a/figures/Fig1_wc_dcrab_mgmt_map_labelled.pptx
+++ b/figures/Fig1_wc_dcrab_mgmt_map_labelled.pptx
@@ -259,7 +259,7 @@
           <a:p>
             <a:fld id="{1F26AC62-3991-4E4D-B4FF-E1DDECF1621D}" type="datetimeFigureOut">
               <a:rPr lang="en-US" smtClean="0"/>
-              <a:t>9/30/21</a:t>
+              <a:t>10/13/21</a:t>
             </a:fld>
             <a:endParaRPr lang="en-US"/>
           </a:p>
@@ -457,7 +457,7 @@
           <a:p>
             <a:fld id="{1F26AC62-3991-4E4D-B4FF-E1DDECF1621D}" type="datetimeFigureOut">
               <a:rPr lang="en-US" smtClean="0"/>
-              <a:t>9/30/21</a:t>
+              <a:t>10/13/21</a:t>
             </a:fld>
             <a:endParaRPr lang="en-US"/>
           </a:p>
@@ -665,7 +665,7 @@
           <a:p>
             <a:fld id="{1F26AC62-3991-4E4D-B4FF-E1DDECF1621D}" type="datetimeFigureOut">
               <a:rPr lang="en-US" smtClean="0"/>
-              <a:t>9/30/21</a:t>
+              <a:t>10/13/21</a:t>
             </a:fld>
             <a:endParaRPr lang="en-US"/>
           </a:p>
@@ -863,7 +863,7 @@
           <a:p>
             <a:fld id="{1F26AC62-3991-4E4D-B4FF-E1DDECF1621D}" type="datetimeFigureOut">
               <a:rPr lang="en-US" smtClean="0"/>
-              <a:t>9/30/21</a:t>
+              <a:t>10/13/21</a:t>
             </a:fld>
             <a:endParaRPr lang="en-US"/>
           </a:p>
@@ -1138,7 +1138,7 @@
           <a:p>
             <a:fld id="{1F26AC62-3991-4E4D-B4FF-E1DDECF1621D}" type="datetimeFigureOut">
               <a:rPr lang="en-US" smtClean="0"/>
-              <a:t>9/30/21</a:t>
+              <a:t>10/13/21</a:t>
             </a:fld>
             <a:endParaRPr lang="en-US"/>
           </a:p>
@@ -1403,7 +1403,7 @@
           <a:p>
             <a:fld id="{1F26AC62-3991-4E4D-B4FF-E1DDECF1621D}" type="datetimeFigureOut">
               <a:rPr lang="en-US" smtClean="0"/>
-              <a:t>9/30/21</a:t>
+              <a:t>10/13/21</a:t>
             </a:fld>
             <a:endParaRPr lang="en-US"/>
           </a:p>
@@ -1815,7 +1815,7 @@
           <a:p>
             <a:fld id="{1F26AC62-3991-4E4D-B4FF-E1DDECF1621D}" type="datetimeFigureOut">
               <a:rPr lang="en-US" smtClean="0"/>
-              <a:t>9/30/21</a:t>
+              <a:t>10/13/21</a:t>
             </a:fld>
             <a:endParaRPr lang="en-US"/>
           </a:p>
@@ -1956,7 +1956,7 @@
           <a:p>
             <a:fld id="{1F26AC62-3991-4E4D-B4FF-E1DDECF1621D}" type="datetimeFigureOut">
               <a:rPr lang="en-US" smtClean="0"/>
-              <a:t>9/30/21</a:t>
+              <a:t>10/13/21</a:t>
             </a:fld>
             <a:endParaRPr lang="en-US"/>
           </a:p>
@@ -2069,7 +2069,7 @@
           <a:p>
             <a:fld id="{1F26AC62-3991-4E4D-B4FF-E1DDECF1621D}" type="datetimeFigureOut">
               <a:rPr lang="en-US" smtClean="0"/>
-              <a:t>9/30/21</a:t>
+              <a:t>10/13/21</a:t>
             </a:fld>
             <a:endParaRPr lang="en-US"/>
           </a:p>
@@ -2380,7 +2380,7 @@
           <a:p>
             <a:fld id="{1F26AC62-3991-4E4D-B4FF-E1DDECF1621D}" type="datetimeFigureOut">
               <a:rPr lang="en-US" smtClean="0"/>
-              <a:t>9/30/21</a:t>
+              <a:t>10/13/21</a:t>
             </a:fld>
             <a:endParaRPr lang="en-US"/>
           </a:p>
@@ -2668,7 +2668,7 @@
           <a:p>
             <a:fld id="{1F26AC62-3991-4E4D-B4FF-E1DDECF1621D}" type="datetimeFigureOut">
               <a:rPr lang="en-US" smtClean="0"/>
-              <a:t>9/30/21</a:t>
+              <a:t>10/13/21</a:t>
             </a:fld>
             <a:endParaRPr lang="en-US"/>
           </a:p>
@@ -2909,7 +2909,7 @@
           <a:p>
             <a:fld id="{1F26AC62-3991-4E4D-B4FF-E1DDECF1621D}" type="datetimeFigureOut">
               <a:rPr lang="en-US" smtClean="0"/>
-              <a:t>9/30/21</a:t>
+              <a:t>10/13/21</a:t>
             </a:fld>
             <a:endParaRPr lang="en-US"/>
           </a:p>
@@ -3328,10 +3328,10 @@
       </p:grpSpPr>
       <p:pic>
         <p:nvPicPr>
-          <p:cNvPr id="12" name="Picture 11">
-            <a:extLst>
-              <a:ext uri="{FF2B5EF4-FFF2-40B4-BE49-F238E27FC236}">
-                <a16:creationId xmlns:a16="http://schemas.microsoft.com/office/drawing/2014/main" id="{7BB20A14-39A3-B344-96CE-2C83DA7FA0CA}"/>
+          <p:cNvPr id="3" name="Picture 2">
+            <a:extLst>
+              <a:ext uri="{FF2B5EF4-FFF2-40B4-BE49-F238E27FC236}">
+                <a16:creationId xmlns:a16="http://schemas.microsoft.com/office/drawing/2014/main" id="{133ED3A7-8C3E-1743-83DC-49B84C63EDA2}"/>
               </a:ext>
             </a:extLst>
           </p:cNvPr>
@@ -3529,7 +3529,7 @@
                 <a:latin typeface="Arial" panose="020B0604020202020204" pitchFamily="34" charset="0"/>
                 <a:cs typeface="Arial" panose="020B0604020202020204" pitchFamily="34" charset="0"/>
               </a:rPr>
-              <a:t>Area closures, evisceration orders</a:t>
+              <a:t>Area closures</a:t>
             </a:r>
           </a:p>
         </p:txBody>
@@ -3726,7 +3726,7 @@
         </p:nvSpPr>
         <p:spPr>
           <a:xfrm>
-            <a:off x="7837710" y="1860901"/>
+            <a:off x="7836408" y="1860901"/>
             <a:ext cx="2101893" cy="1000274"/>
           </a:xfrm>
           <a:prstGeom prst="rect">
@@ -3815,8 +3815,8 @@
         </p:nvSpPr>
         <p:spPr>
           <a:xfrm>
-            <a:off x="7837710" y="3359176"/>
-            <a:ext cx="1959433" cy="1000274"/>
+            <a:off x="7836408" y="3359176"/>
+            <a:ext cx="2101893" cy="1000274"/>
           </a:xfrm>
           <a:prstGeom prst="rect">
             <a:avLst/>
@@ -3885,7 +3885,7 @@
                 <a:latin typeface="Arial" panose="020B0604020202020204" pitchFamily="34" charset="0"/>
                 <a:cs typeface="Arial" panose="020B0604020202020204" pitchFamily="34" charset="0"/>
               </a:rPr>
-              <a:t>Area closures</a:t>
+              <a:t>Area closures, evisceration orders (+)</a:t>
             </a:r>
           </a:p>
         </p:txBody>
